--- a/BAI-TAP-KET-THUC-MON-HOC.pptx
+++ b/BAI-TAP-KET-THUC-MON-HOC.pptx
@@ -20,6 +20,7 @@
     <p:sldId id="269" r:id="rId13"/>
     <p:sldId id="270" r:id="rId14"/>
     <p:sldId id="267" r:id="rId15"/>
+    <p:sldId id="271" r:id="rId16"/>
   </p:sldIdLst>
   <p:sldSz cx="14630400" cy="8229600"/>
   <p:notesSz cx="8229600" cy="14630400"/>
@@ -2883,6 +2884,75 @@
 </p:sld>
 </file>
 
+<file path=ppt/slides/slide13.xml><?xml version="1.0" encoding="utf-8"?>
+<p:sld xmlns:a="http://schemas.openxmlformats.org/drawingml/2006/main" xmlns:r="http://schemas.openxmlformats.org/officeDocument/2006/relationships" xmlns:p="http://schemas.openxmlformats.org/presentationml/2006/main">
+  <p:cSld>
+    <p:spTree>
+      <p:nvGrpSpPr>
+        <p:cNvPr id="1" name=""/>
+        <p:cNvGrpSpPr/>
+        <p:nvPr/>
+      </p:nvGrpSpPr>
+      <p:grpSpPr/>
+      <p:sp>
+        <p:nvSpPr>
+          <p:cNvPr id="2" name="Text Box 1"/>
+          <p:cNvSpPr txBox="1"/>
+          <p:nvPr/>
+        </p:nvSpPr>
+        <p:spPr>
+          <a:xfrm>
+            <a:off x="4837430" y="3670935"/>
+            <a:ext cx="7315200" cy="443865"/>
+          </a:xfrm>
+          <a:prstGeom prst="rect">
+            <a:avLst/>
+          </a:prstGeom>
+          <a:noFill/>
+        </p:spPr>
+        <p:txBody>
+          <a:bodyPr wrap="square" rtlCol="0" anchor="t">
+            <a:spAutoFit/>
+          </a:bodyPr>
+          <a:p>
+            <a:pPr marL="0" indent="0" algn="l">
+              <a:lnSpc>
+                <a:spcPts val="2750"/>
+              </a:lnSpc>
+              <a:buNone/>
+            </a:pPr>
+            <a:r>
+              <a:rPr lang="vi-VN" altLang="en-US" sz="5600" b="1" dirty="0">
+                <a:solidFill>
+                  <a:srgbClr val="FFF8F5"/>
+                </a:solidFill>
+                <a:latin typeface="Times New Roman" panose="02020603050405020304" charset="0"/>
+                <a:ea typeface="Noto Serif HK Bold" pitchFamily="34" charset="-122"/>
+                <a:cs typeface="Times New Roman" panose="02020603050405020304" charset="0"/>
+                <a:sym typeface="+mn-ea"/>
+              </a:rPr>
+              <a:t>CẢM ƠN </a:t>
+            </a:r>
+            <a:endParaRPr lang="vi-VN" altLang="en-US" sz="5600" b="1" dirty="0">
+              <a:solidFill>
+                <a:srgbClr val="FFF8F5"/>
+              </a:solidFill>
+              <a:latin typeface="Times New Roman" panose="02020603050405020304" charset="0"/>
+              <a:ea typeface="Noto Serif HK Bold" pitchFamily="34" charset="-122"/>
+              <a:cs typeface="Times New Roman" panose="02020603050405020304" charset="0"/>
+              <a:sym typeface="+mn-ea"/>
+            </a:endParaRPr>
+          </a:p>
+        </p:txBody>
+      </p:sp>
+    </p:spTree>
+  </p:cSld>
+  <p:clrMapOvr>
+    <a:masterClrMapping/>
+  </p:clrMapOvr>
+</p:sld>
+</file>
+
 <file path=ppt/slides/slide2.xml><?xml version="1.0" encoding="utf-8"?>
 <p:sld xmlns:a="http://schemas.openxmlformats.org/drawingml/2006/main" xmlns:r="http://schemas.openxmlformats.org/officeDocument/2006/relationships" xmlns:p="http://schemas.openxmlformats.org/presentationml/2006/main">
   <p:cSld>
@@ -4216,7 +4286,7 @@
               <a:t>Thuật toán chọn th</a:t>
             </a:r>
             <a:r>
-              <a:rPr lang="" altLang="en-US" sz="2800" b="1" dirty="0">
+              <a:rPr lang="en-US" altLang="en-US" sz="2800" b="1" dirty="0">
                 <a:solidFill>
                   <a:srgbClr val="D3C9C5"/>
                 </a:solidFill>
@@ -4287,7 +4357,7 @@
               <a:t></a:t>
             </a:r>
             <a:r>
-              <a:rPr lang="" altLang="en-US" sz="2400" dirty="0">
+              <a:rPr lang="en-US" altLang="en-US" sz="2400" dirty="0">
                 <a:solidFill>
                   <a:srgbClr val="D3C9C5"/>
                 </a:solidFill>
@@ -4309,7 +4379,7 @@
               <a:t>ầu vào: </a:t>
             </a:r>
             <a:r>
-              <a:rPr lang="" altLang="en-US" sz="2400" dirty="0">
+              <a:rPr lang="en-US" altLang="en-US" sz="2400" dirty="0">
                 <a:solidFill>
                   <a:srgbClr val="D3C9C5"/>
                 </a:solidFill>
@@ -4331,7 +4401,7 @@
               <a:t>ờng dẫn th</a:t>
             </a:r>
             <a:r>
-              <a:rPr lang="" altLang="en-US" sz="2400" dirty="0">
+              <a:rPr lang="en-US" altLang="en-US" sz="2400" dirty="0">
                 <a:solidFill>
                   <a:srgbClr val="D3C9C5"/>
                 </a:solidFill>
@@ -4353,7 +4423,7 @@
               <a:t> mục từ ng</a:t>
             </a:r>
             <a:r>
-              <a:rPr lang="" altLang="en-US" sz="2400" dirty="0">
+              <a:rPr lang="en-US" altLang="en-US" sz="2400" dirty="0">
                 <a:solidFill>
                   <a:srgbClr val="D3C9C5"/>
                 </a:solidFill>
@@ -4427,7 +4497,7 @@
               <a:t>Xử l</a:t>
             </a:r>
             <a:r>
-              <a:rPr lang="" altLang="en-US" sz="2400" dirty="0">
+              <a:rPr lang="en-US" altLang="en-US" sz="2400" dirty="0">
                 <a:solidFill>
                   <a:srgbClr val="D3C9C5"/>
                 </a:solidFill>
@@ -4533,7 +4603,7 @@
               <a:t>Kiểm tra </a:t>
             </a:r>
             <a:r>
-              <a:rPr lang="" altLang="en-US" sz="2400" dirty="0">
+              <a:rPr lang="en-US" altLang="en-US" sz="2400" dirty="0">
                 <a:solidFill>
                   <a:srgbClr val="D3C9C5"/>
                 </a:solidFill>
@@ -4704,7 +4774,7 @@
               <a:t></a:t>
             </a:r>
             <a:r>
-              <a:rPr lang="" altLang="en-US" sz="2400" dirty="0">
+              <a:rPr lang="en-US" altLang="en-US" sz="2400" dirty="0">
                 <a:solidFill>
                   <a:srgbClr val="D3C9C5"/>
                 </a:solidFill>
@@ -4728,7 +4798,7 @@
               <a:t>ầu vào: File </a:t>
             </a:r>
             <a:r>
-              <a:rPr lang="" altLang="en-US" sz="2400" dirty="0">
+              <a:rPr lang="en-US" altLang="en-US" sz="2400" dirty="0">
                 <a:solidFill>
                   <a:srgbClr val="D3C9C5"/>
                 </a:solidFill>
@@ -4783,7 +4853,7 @@
               <a:t>Xử l</a:t>
             </a:r>
             <a:r>
-              <a:rPr lang="" altLang="en-US" sz="2400" dirty="0">
+              <a:rPr lang="en-US" altLang="en-US" sz="2400" dirty="0">
                 <a:solidFill>
                   <a:srgbClr val="D3C9C5"/>
                 </a:solidFill>
@@ -4807,7 +4877,7 @@
               <a:t>: Dùng os.startfile(path) </a:t>
             </a:r>
             <a:r>
-              <a:rPr lang="" altLang="en-US" sz="2400" dirty="0">
+              <a:rPr lang="en-US" altLang="en-US" sz="2400" dirty="0">
                 <a:solidFill>
                   <a:srgbClr val="D3C9C5"/>
                 </a:solidFill>
@@ -4862,7 +4932,7 @@
               <a:t></a:t>
             </a:r>
             <a:r>
-              <a:rPr lang="" altLang="en-US" sz="2400" dirty="0">
+              <a:rPr lang="en-US" altLang="en-US" sz="2400" dirty="0">
                 <a:solidFill>
                   <a:srgbClr val="D3C9C5"/>
                 </a:solidFill>
@@ -4886,7 +4956,7 @@
               <a:t>ầu ra: File mở trong ứng dụng mặc </a:t>
             </a:r>
             <a:r>
-              <a:rPr lang="" altLang="en-US" sz="2400" dirty="0">
+              <a:rPr lang="en-US" altLang="en-US" sz="2400" dirty="0">
                 <a:solidFill>
                   <a:srgbClr val="D3C9C5"/>
                 </a:solidFill>
@@ -4963,7 +5033,7 @@
               <a:t></a:t>
             </a:r>
             <a:r>
-              <a:rPr lang="" altLang="en-US" sz="2400" dirty="0">
+              <a:rPr lang="en-US" altLang="en-US" sz="2400" dirty="0">
                 <a:solidFill>
                   <a:srgbClr val="D3C9C5"/>
                 </a:solidFill>
